--- a/docs/quant.pptx
+++ b/docs/quant.pptx
@@ -243,7 +243,7 @@
           <a:p>
             <a:fld id="{D6CA60EF-A93F-4F49-A611-3766B918B9AA}" type="datetimeFigureOut">
               <a:rPr lang="en-US" smtClean="0"/>
-              <a:t>1/30/2020</a:t>
+              <a:t>3/30/2020</a:t>
             </a:fld>
             <a:endParaRPr lang="en-US"/>
           </a:p>
@@ -413,7 +413,7 @@
           <a:p>
             <a:fld id="{D6CA60EF-A93F-4F49-A611-3766B918B9AA}" type="datetimeFigureOut">
               <a:rPr lang="en-US" smtClean="0"/>
-              <a:t>1/30/2020</a:t>
+              <a:t>3/30/2020</a:t>
             </a:fld>
             <a:endParaRPr lang="en-US"/>
           </a:p>
@@ -593,7 +593,7 @@
           <a:p>
             <a:fld id="{D6CA60EF-A93F-4F49-A611-3766B918B9AA}" type="datetimeFigureOut">
               <a:rPr lang="en-US" smtClean="0"/>
-              <a:t>1/30/2020</a:t>
+              <a:t>3/30/2020</a:t>
             </a:fld>
             <a:endParaRPr lang="en-US"/>
           </a:p>
@@ -763,7 +763,7 @@
           <a:p>
             <a:fld id="{D6CA60EF-A93F-4F49-A611-3766B918B9AA}" type="datetimeFigureOut">
               <a:rPr lang="en-US" smtClean="0"/>
-              <a:t>1/30/2020</a:t>
+              <a:t>3/30/2020</a:t>
             </a:fld>
             <a:endParaRPr lang="en-US"/>
           </a:p>
@@ -1009,7 +1009,7 @@
           <a:p>
             <a:fld id="{D6CA60EF-A93F-4F49-A611-3766B918B9AA}" type="datetimeFigureOut">
               <a:rPr lang="en-US" smtClean="0"/>
-              <a:t>1/30/2020</a:t>
+              <a:t>3/30/2020</a:t>
             </a:fld>
             <a:endParaRPr lang="en-US"/>
           </a:p>
@@ -1241,7 +1241,7 @@
           <a:p>
             <a:fld id="{D6CA60EF-A93F-4F49-A611-3766B918B9AA}" type="datetimeFigureOut">
               <a:rPr lang="en-US" smtClean="0"/>
-              <a:t>1/30/2020</a:t>
+              <a:t>3/30/2020</a:t>
             </a:fld>
             <a:endParaRPr lang="en-US"/>
           </a:p>
@@ -1608,7 +1608,7 @@
           <a:p>
             <a:fld id="{D6CA60EF-A93F-4F49-A611-3766B918B9AA}" type="datetimeFigureOut">
               <a:rPr lang="en-US" smtClean="0"/>
-              <a:t>1/30/2020</a:t>
+              <a:t>3/30/2020</a:t>
             </a:fld>
             <a:endParaRPr lang="en-US"/>
           </a:p>
@@ -1726,7 +1726,7 @@
           <a:p>
             <a:fld id="{D6CA60EF-A93F-4F49-A611-3766B918B9AA}" type="datetimeFigureOut">
               <a:rPr lang="en-US" smtClean="0"/>
-              <a:t>1/30/2020</a:t>
+              <a:t>3/30/2020</a:t>
             </a:fld>
             <a:endParaRPr lang="en-US"/>
           </a:p>
@@ -1821,7 +1821,7 @@
           <a:p>
             <a:fld id="{D6CA60EF-A93F-4F49-A611-3766B918B9AA}" type="datetimeFigureOut">
               <a:rPr lang="en-US" smtClean="0"/>
-              <a:t>1/30/2020</a:t>
+              <a:t>3/30/2020</a:t>
             </a:fld>
             <a:endParaRPr lang="en-US"/>
           </a:p>
@@ -2098,7 +2098,7 @@
           <a:p>
             <a:fld id="{D6CA60EF-A93F-4F49-A611-3766B918B9AA}" type="datetimeFigureOut">
               <a:rPr lang="en-US" smtClean="0"/>
-              <a:t>1/30/2020</a:t>
+              <a:t>3/30/2020</a:t>
             </a:fld>
             <a:endParaRPr lang="en-US"/>
           </a:p>
@@ -2355,7 +2355,7 @@
           <a:p>
             <a:fld id="{D6CA60EF-A93F-4F49-A611-3766B918B9AA}" type="datetimeFigureOut">
               <a:rPr lang="en-US" smtClean="0"/>
-              <a:t>1/30/2020</a:t>
+              <a:t>3/30/2020</a:t>
             </a:fld>
             <a:endParaRPr lang="en-US"/>
           </a:p>
@@ -2568,7 +2568,7 @@
           <a:p>
             <a:fld id="{D6CA60EF-A93F-4F49-A611-3766B918B9AA}" type="datetimeFigureOut">
               <a:rPr lang="en-US" smtClean="0"/>
-              <a:t>1/30/2020</a:t>
+              <a:t>3/30/2020</a:t>
             </a:fld>
             <a:endParaRPr lang="en-US"/>
           </a:p>
@@ -2962,7 +2962,7 @@
     <p:bg>
       <p:bgPr>
         <a:solidFill>
-          <a:srgbClr val="F0F0F0"/>
+          <a:schemeClr val="bg1"/>
         </a:solidFill>
         <a:effectLst/>
       </p:bgPr>
